--- a/ppt 16-9/0147.从天降下来.pptx
+++ b/ppt 16-9/0147.从天降下来.pptx
@@ -5,7 +5,7 @@
     <p:sldMasterId id="2147483648" r:id="rId1"/>
   </p:sldMasterIdLst>
   <p:sldIdLst>
-    <p:sldId id="2754" r:id="rId2"/>
+    <p:sldId id="2757" r:id="rId2"/>
   </p:sldIdLst>
   <p:sldSz cx="12192000" cy="6858000"/>
   <p:notesSz cx="6858000" cy="9144000"/>
@@ -129,7 +129,7 @@
           <p:cNvPr id="2" name="标题 1">
             <a:extLst>
               <a:ext uri="{FF2B5EF4-FFF2-40B4-BE49-F238E27FC236}">
-                <a16:creationId xmlns:a16="http://schemas.microsoft.com/office/drawing/2014/main" id="{2DCAC0B9-FF97-2FAA-8356-F38E6420E0DC}"/>
+                <a16:creationId xmlns:a16="http://schemas.microsoft.com/office/drawing/2014/main" id="{D5905B4F-3DC4-922D-16CA-770C355E9483}"/>
               </a:ext>
             </a:extLst>
           </p:cNvPr>
@@ -166,7 +166,7 @@
           <p:cNvPr id="3" name="副标题 2">
             <a:extLst>
               <a:ext uri="{FF2B5EF4-FFF2-40B4-BE49-F238E27FC236}">
-                <a16:creationId xmlns:a16="http://schemas.microsoft.com/office/drawing/2014/main" id="{887E1F1C-AFB9-F5A6-2825-5A7672608C64}"/>
+                <a16:creationId xmlns:a16="http://schemas.microsoft.com/office/drawing/2014/main" id="{84778820-E2E4-ACFD-CE83-88352911B14F}"/>
               </a:ext>
             </a:extLst>
           </p:cNvPr>
@@ -236,7 +236,7 @@
           <p:cNvPr id="4" name="日期占位符 3">
             <a:extLst>
               <a:ext uri="{FF2B5EF4-FFF2-40B4-BE49-F238E27FC236}">
-                <a16:creationId xmlns:a16="http://schemas.microsoft.com/office/drawing/2014/main" id="{0EF72D9B-DC9A-1113-56DD-5E4208ABD2C0}"/>
+                <a16:creationId xmlns:a16="http://schemas.microsoft.com/office/drawing/2014/main" id="{809A444B-A74B-B21B-614F-45AAC9986531}"/>
               </a:ext>
             </a:extLst>
           </p:cNvPr>
@@ -252,7 +252,7 @@
           <a:bodyPr/>
           <a:lstStyle/>
           <a:p>
-            <a:fld id="{82730F57-B86B-4C09-A1E5-CC243BCDB2F8}" type="datetimeFigureOut">
+            <a:fld id="{767C7BBC-2137-40CD-9BF4-AAC129565D93}" type="datetimeFigureOut">
               <a:rPr lang="zh-CN" altLang="en-US" smtClean="0"/>
               <a:t>2024/3/10</a:t>
             </a:fld>
@@ -265,7 +265,7 @@
           <p:cNvPr id="5" name="页脚占位符 4">
             <a:extLst>
               <a:ext uri="{FF2B5EF4-FFF2-40B4-BE49-F238E27FC236}">
-                <a16:creationId xmlns:a16="http://schemas.microsoft.com/office/drawing/2014/main" id="{64622C58-10C9-09E3-C25F-1D3C4772DFEC}"/>
+                <a16:creationId xmlns:a16="http://schemas.microsoft.com/office/drawing/2014/main" id="{ADCCD5C5-5F3D-BF95-34D5-FD2327C19BC0}"/>
               </a:ext>
             </a:extLst>
           </p:cNvPr>
@@ -290,7 +290,7 @@
           <p:cNvPr id="6" name="灯片编号占位符 5">
             <a:extLst>
               <a:ext uri="{FF2B5EF4-FFF2-40B4-BE49-F238E27FC236}">
-                <a16:creationId xmlns:a16="http://schemas.microsoft.com/office/drawing/2014/main" id="{ACC2A542-5997-533C-C2CC-4539343C85E9}"/>
+                <a16:creationId xmlns:a16="http://schemas.microsoft.com/office/drawing/2014/main" id="{D5976781-FE6B-D9E9-91F3-73F4D6544BBA}"/>
               </a:ext>
             </a:extLst>
           </p:cNvPr>
@@ -306,7 +306,7 @@
           <a:bodyPr/>
           <a:lstStyle/>
           <a:p>
-            <a:fld id="{C1BA8224-4EB5-4A16-9091-7CC5325C5575}" type="slidenum">
+            <a:fld id="{C585ED29-3DD3-42D5-9262-776C47648A3A}" type="slidenum">
               <a:rPr lang="zh-CN" altLang="en-US" smtClean="0"/>
               <a:t>‹#›</a:t>
             </a:fld>
@@ -317,7 +317,7 @@
     </p:spTree>
     <p:extLst>
       <p:ext uri="{BB962C8B-B14F-4D97-AF65-F5344CB8AC3E}">
-        <p14:creationId xmlns:p14="http://schemas.microsoft.com/office/powerpoint/2010/main" val="3207186299"/>
+        <p14:creationId xmlns:p14="http://schemas.microsoft.com/office/powerpoint/2010/main" val="2868511929"/>
       </p:ext>
     </p:extLst>
   </p:cSld>
@@ -349,7 +349,7 @@
           <p:cNvPr id="2" name="标题 1">
             <a:extLst>
               <a:ext uri="{FF2B5EF4-FFF2-40B4-BE49-F238E27FC236}">
-                <a16:creationId xmlns:a16="http://schemas.microsoft.com/office/drawing/2014/main" id="{3E2AA808-14AC-1C36-3E9E-43FFC6432530}"/>
+                <a16:creationId xmlns:a16="http://schemas.microsoft.com/office/drawing/2014/main" id="{E2A67D86-3800-A561-7E0A-DCAF7A51EED6}"/>
               </a:ext>
             </a:extLst>
           </p:cNvPr>
@@ -377,7 +377,7 @@
           <p:cNvPr id="3" name="竖排文字占位符 2">
             <a:extLst>
               <a:ext uri="{FF2B5EF4-FFF2-40B4-BE49-F238E27FC236}">
-                <a16:creationId xmlns:a16="http://schemas.microsoft.com/office/drawing/2014/main" id="{BEF25FEA-F175-43D2-23DE-8BEC99CB17E9}"/>
+                <a16:creationId xmlns:a16="http://schemas.microsoft.com/office/drawing/2014/main" id="{59F9DF61-9596-6E7C-9ADE-296FB92162FE}"/>
               </a:ext>
             </a:extLst>
           </p:cNvPr>
@@ -434,7 +434,7 @@
           <p:cNvPr id="4" name="日期占位符 3">
             <a:extLst>
               <a:ext uri="{FF2B5EF4-FFF2-40B4-BE49-F238E27FC236}">
-                <a16:creationId xmlns:a16="http://schemas.microsoft.com/office/drawing/2014/main" id="{D7E3385E-136D-6EE5-F7F4-4F6C8DB0075D}"/>
+                <a16:creationId xmlns:a16="http://schemas.microsoft.com/office/drawing/2014/main" id="{43A3DFC3-1AB4-2FA6-FA4D-54D3333A1028}"/>
               </a:ext>
             </a:extLst>
           </p:cNvPr>
@@ -450,7 +450,7 @@
           <a:bodyPr/>
           <a:lstStyle/>
           <a:p>
-            <a:fld id="{82730F57-B86B-4C09-A1E5-CC243BCDB2F8}" type="datetimeFigureOut">
+            <a:fld id="{767C7BBC-2137-40CD-9BF4-AAC129565D93}" type="datetimeFigureOut">
               <a:rPr lang="zh-CN" altLang="en-US" smtClean="0"/>
               <a:t>2024/3/10</a:t>
             </a:fld>
@@ -463,7 +463,7 @@
           <p:cNvPr id="5" name="页脚占位符 4">
             <a:extLst>
               <a:ext uri="{FF2B5EF4-FFF2-40B4-BE49-F238E27FC236}">
-                <a16:creationId xmlns:a16="http://schemas.microsoft.com/office/drawing/2014/main" id="{7F21E01F-A45E-470E-152B-8DAAE593CB9F}"/>
+                <a16:creationId xmlns:a16="http://schemas.microsoft.com/office/drawing/2014/main" id="{EAC9279F-13CC-562C-B58A-631367C8A83F}"/>
               </a:ext>
             </a:extLst>
           </p:cNvPr>
@@ -488,7 +488,7 @@
           <p:cNvPr id="6" name="灯片编号占位符 5">
             <a:extLst>
               <a:ext uri="{FF2B5EF4-FFF2-40B4-BE49-F238E27FC236}">
-                <a16:creationId xmlns:a16="http://schemas.microsoft.com/office/drawing/2014/main" id="{66246E9D-C30B-2DC2-16AF-671CA1E2C8A1}"/>
+                <a16:creationId xmlns:a16="http://schemas.microsoft.com/office/drawing/2014/main" id="{F86BAD26-E3C0-CA5D-874B-3F5CF87FFA61}"/>
               </a:ext>
             </a:extLst>
           </p:cNvPr>
@@ -504,7 +504,7 @@
           <a:bodyPr/>
           <a:lstStyle/>
           <a:p>
-            <a:fld id="{C1BA8224-4EB5-4A16-9091-7CC5325C5575}" type="slidenum">
+            <a:fld id="{C585ED29-3DD3-42D5-9262-776C47648A3A}" type="slidenum">
               <a:rPr lang="zh-CN" altLang="en-US" smtClean="0"/>
               <a:t>‹#›</a:t>
             </a:fld>
@@ -515,7 +515,7 @@
     </p:spTree>
     <p:extLst>
       <p:ext uri="{BB962C8B-B14F-4D97-AF65-F5344CB8AC3E}">
-        <p14:creationId xmlns:p14="http://schemas.microsoft.com/office/powerpoint/2010/main" val="3348264259"/>
+        <p14:creationId xmlns:p14="http://schemas.microsoft.com/office/powerpoint/2010/main" val="2229207374"/>
       </p:ext>
     </p:extLst>
   </p:cSld>
@@ -547,7 +547,7 @@
           <p:cNvPr id="2" name="竖排标题 1">
             <a:extLst>
               <a:ext uri="{FF2B5EF4-FFF2-40B4-BE49-F238E27FC236}">
-                <a16:creationId xmlns:a16="http://schemas.microsoft.com/office/drawing/2014/main" id="{F95C2AC9-E743-1519-DBC5-082CDF19D2E0}"/>
+                <a16:creationId xmlns:a16="http://schemas.microsoft.com/office/drawing/2014/main" id="{DE49FA4A-C5C0-432E-E1F7-27FFDD848775}"/>
               </a:ext>
             </a:extLst>
           </p:cNvPr>
@@ -580,7 +580,7 @@
           <p:cNvPr id="3" name="竖排文字占位符 2">
             <a:extLst>
               <a:ext uri="{FF2B5EF4-FFF2-40B4-BE49-F238E27FC236}">
-                <a16:creationId xmlns:a16="http://schemas.microsoft.com/office/drawing/2014/main" id="{CB111EF4-9403-0666-F73B-6EE7B41B7EC2}"/>
+                <a16:creationId xmlns:a16="http://schemas.microsoft.com/office/drawing/2014/main" id="{A7FB7C04-9329-0534-D04A-6A175108675A}"/>
               </a:ext>
             </a:extLst>
           </p:cNvPr>
@@ -642,7 +642,7 @@
           <p:cNvPr id="4" name="日期占位符 3">
             <a:extLst>
               <a:ext uri="{FF2B5EF4-FFF2-40B4-BE49-F238E27FC236}">
-                <a16:creationId xmlns:a16="http://schemas.microsoft.com/office/drawing/2014/main" id="{6ACDE150-B02C-5B9F-AC21-2CB489B14FBE}"/>
+                <a16:creationId xmlns:a16="http://schemas.microsoft.com/office/drawing/2014/main" id="{AD7764CA-0562-C9D9-ACB2-4352BED3DD42}"/>
               </a:ext>
             </a:extLst>
           </p:cNvPr>
@@ -658,7 +658,7 @@
           <a:bodyPr/>
           <a:lstStyle/>
           <a:p>
-            <a:fld id="{82730F57-B86B-4C09-A1E5-CC243BCDB2F8}" type="datetimeFigureOut">
+            <a:fld id="{767C7BBC-2137-40CD-9BF4-AAC129565D93}" type="datetimeFigureOut">
               <a:rPr lang="zh-CN" altLang="en-US" smtClean="0"/>
               <a:t>2024/3/10</a:t>
             </a:fld>
@@ -671,7 +671,7 @@
           <p:cNvPr id="5" name="页脚占位符 4">
             <a:extLst>
               <a:ext uri="{FF2B5EF4-FFF2-40B4-BE49-F238E27FC236}">
-                <a16:creationId xmlns:a16="http://schemas.microsoft.com/office/drawing/2014/main" id="{E46FDDB1-AEF5-CC2E-E58E-8F4F5B878EC4}"/>
+                <a16:creationId xmlns:a16="http://schemas.microsoft.com/office/drawing/2014/main" id="{25D3BBCE-D431-1F5B-1D2D-F23B1ABC5107}"/>
               </a:ext>
             </a:extLst>
           </p:cNvPr>
@@ -696,7 +696,7 @@
           <p:cNvPr id="6" name="灯片编号占位符 5">
             <a:extLst>
               <a:ext uri="{FF2B5EF4-FFF2-40B4-BE49-F238E27FC236}">
-                <a16:creationId xmlns:a16="http://schemas.microsoft.com/office/drawing/2014/main" id="{66EF9F8B-33E6-46CB-F993-FE52FDC8DB19}"/>
+                <a16:creationId xmlns:a16="http://schemas.microsoft.com/office/drawing/2014/main" id="{102D5AF7-ADE3-0363-BFFC-02C96BEDEBB0}"/>
               </a:ext>
             </a:extLst>
           </p:cNvPr>
@@ -712,7 +712,7 @@
           <a:bodyPr/>
           <a:lstStyle/>
           <a:p>
-            <a:fld id="{C1BA8224-4EB5-4A16-9091-7CC5325C5575}" type="slidenum">
+            <a:fld id="{C585ED29-3DD3-42D5-9262-776C47648A3A}" type="slidenum">
               <a:rPr lang="zh-CN" altLang="en-US" smtClean="0"/>
               <a:t>‹#›</a:t>
             </a:fld>
@@ -723,7 +723,7 @@
     </p:spTree>
     <p:extLst>
       <p:ext uri="{BB962C8B-B14F-4D97-AF65-F5344CB8AC3E}">
-        <p14:creationId xmlns:p14="http://schemas.microsoft.com/office/powerpoint/2010/main" val="3169996301"/>
+        <p14:creationId xmlns:p14="http://schemas.microsoft.com/office/powerpoint/2010/main" val="662097315"/>
       </p:ext>
     </p:extLst>
   </p:cSld>
@@ -755,7 +755,7 @@
           <p:cNvPr id="2" name="标题 1">
             <a:extLst>
               <a:ext uri="{FF2B5EF4-FFF2-40B4-BE49-F238E27FC236}">
-                <a16:creationId xmlns:a16="http://schemas.microsoft.com/office/drawing/2014/main" id="{2530DB76-37F6-63E9-1028-BCDC818603A9}"/>
+                <a16:creationId xmlns:a16="http://schemas.microsoft.com/office/drawing/2014/main" id="{9CBF870A-6D93-2DB2-F7A4-6EF71BE14447}"/>
               </a:ext>
             </a:extLst>
           </p:cNvPr>
@@ -783,7 +783,7 @@
           <p:cNvPr id="3" name="内容占位符 2">
             <a:extLst>
               <a:ext uri="{FF2B5EF4-FFF2-40B4-BE49-F238E27FC236}">
-                <a16:creationId xmlns:a16="http://schemas.microsoft.com/office/drawing/2014/main" id="{4884D759-7385-7FB1-11C1-BE156F60A23C}"/>
+                <a16:creationId xmlns:a16="http://schemas.microsoft.com/office/drawing/2014/main" id="{72670DF9-2D5D-73A5-A80E-C0D208EBB5B3}"/>
               </a:ext>
             </a:extLst>
           </p:cNvPr>
@@ -840,7 +840,7 @@
           <p:cNvPr id="4" name="日期占位符 3">
             <a:extLst>
               <a:ext uri="{FF2B5EF4-FFF2-40B4-BE49-F238E27FC236}">
-                <a16:creationId xmlns:a16="http://schemas.microsoft.com/office/drawing/2014/main" id="{E571798C-0D64-A3B9-8FBD-F9529E5A2951}"/>
+                <a16:creationId xmlns:a16="http://schemas.microsoft.com/office/drawing/2014/main" id="{46F9EBB6-EB86-6C60-9C30-C7E635A3D1F1}"/>
               </a:ext>
             </a:extLst>
           </p:cNvPr>
@@ -856,7 +856,7 @@
           <a:bodyPr/>
           <a:lstStyle/>
           <a:p>
-            <a:fld id="{82730F57-B86B-4C09-A1E5-CC243BCDB2F8}" type="datetimeFigureOut">
+            <a:fld id="{767C7BBC-2137-40CD-9BF4-AAC129565D93}" type="datetimeFigureOut">
               <a:rPr lang="zh-CN" altLang="en-US" smtClean="0"/>
               <a:t>2024/3/10</a:t>
             </a:fld>
@@ -869,7 +869,7 @@
           <p:cNvPr id="5" name="页脚占位符 4">
             <a:extLst>
               <a:ext uri="{FF2B5EF4-FFF2-40B4-BE49-F238E27FC236}">
-                <a16:creationId xmlns:a16="http://schemas.microsoft.com/office/drawing/2014/main" id="{608C52DD-452E-882A-24F9-F40D39F1F24E}"/>
+                <a16:creationId xmlns:a16="http://schemas.microsoft.com/office/drawing/2014/main" id="{2B1EA173-30B2-C7EB-8AF6-8F5E21BEB7BD}"/>
               </a:ext>
             </a:extLst>
           </p:cNvPr>
@@ -894,7 +894,7 @@
           <p:cNvPr id="6" name="灯片编号占位符 5">
             <a:extLst>
               <a:ext uri="{FF2B5EF4-FFF2-40B4-BE49-F238E27FC236}">
-                <a16:creationId xmlns:a16="http://schemas.microsoft.com/office/drawing/2014/main" id="{270D2D20-6671-116F-696C-751BE453CC2A}"/>
+                <a16:creationId xmlns:a16="http://schemas.microsoft.com/office/drawing/2014/main" id="{EE539056-DD62-62D5-A1EA-6A1052D0011A}"/>
               </a:ext>
             </a:extLst>
           </p:cNvPr>
@@ -910,7 +910,7 @@
           <a:bodyPr/>
           <a:lstStyle/>
           <a:p>
-            <a:fld id="{C1BA8224-4EB5-4A16-9091-7CC5325C5575}" type="slidenum">
+            <a:fld id="{C585ED29-3DD3-42D5-9262-776C47648A3A}" type="slidenum">
               <a:rPr lang="zh-CN" altLang="en-US" smtClean="0"/>
               <a:t>‹#›</a:t>
             </a:fld>
@@ -921,7 +921,7 @@
     </p:spTree>
     <p:extLst>
       <p:ext uri="{BB962C8B-B14F-4D97-AF65-F5344CB8AC3E}">
-        <p14:creationId xmlns:p14="http://schemas.microsoft.com/office/powerpoint/2010/main" val="14588720"/>
+        <p14:creationId xmlns:p14="http://schemas.microsoft.com/office/powerpoint/2010/main" val="3188720315"/>
       </p:ext>
     </p:extLst>
   </p:cSld>
@@ -953,7 +953,7 @@
           <p:cNvPr id="2" name="标题 1">
             <a:extLst>
               <a:ext uri="{FF2B5EF4-FFF2-40B4-BE49-F238E27FC236}">
-                <a16:creationId xmlns:a16="http://schemas.microsoft.com/office/drawing/2014/main" id="{E192234E-56D3-29C3-A1E3-F6EC090F805C}"/>
+                <a16:creationId xmlns:a16="http://schemas.microsoft.com/office/drawing/2014/main" id="{F69A5C68-988D-5072-6C4C-38B5EC8E7432}"/>
               </a:ext>
             </a:extLst>
           </p:cNvPr>
@@ -990,7 +990,7 @@
           <p:cNvPr id="3" name="文本占位符 2">
             <a:extLst>
               <a:ext uri="{FF2B5EF4-FFF2-40B4-BE49-F238E27FC236}">
-                <a16:creationId xmlns:a16="http://schemas.microsoft.com/office/drawing/2014/main" id="{70440DA1-8F08-0C56-AB00-03434943EA08}"/>
+                <a16:creationId xmlns:a16="http://schemas.microsoft.com/office/drawing/2014/main" id="{967D4F2C-B239-CCD8-0774-6614B32689D8}"/>
               </a:ext>
             </a:extLst>
           </p:cNvPr>
@@ -1115,7 +1115,7 @@
           <p:cNvPr id="4" name="日期占位符 3">
             <a:extLst>
               <a:ext uri="{FF2B5EF4-FFF2-40B4-BE49-F238E27FC236}">
-                <a16:creationId xmlns:a16="http://schemas.microsoft.com/office/drawing/2014/main" id="{916EE69B-519C-977D-5702-7D4F01421952}"/>
+                <a16:creationId xmlns:a16="http://schemas.microsoft.com/office/drawing/2014/main" id="{B21515B5-1D1A-D29F-4180-B00E944CF482}"/>
               </a:ext>
             </a:extLst>
           </p:cNvPr>
@@ -1131,7 +1131,7 @@
           <a:bodyPr/>
           <a:lstStyle/>
           <a:p>
-            <a:fld id="{82730F57-B86B-4C09-A1E5-CC243BCDB2F8}" type="datetimeFigureOut">
+            <a:fld id="{767C7BBC-2137-40CD-9BF4-AAC129565D93}" type="datetimeFigureOut">
               <a:rPr lang="zh-CN" altLang="en-US" smtClean="0"/>
               <a:t>2024/3/10</a:t>
             </a:fld>
@@ -1144,7 +1144,7 @@
           <p:cNvPr id="5" name="页脚占位符 4">
             <a:extLst>
               <a:ext uri="{FF2B5EF4-FFF2-40B4-BE49-F238E27FC236}">
-                <a16:creationId xmlns:a16="http://schemas.microsoft.com/office/drawing/2014/main" id="{B237236B-B1DD-8904-1A8E-91A71367A125}"/>
+                <a16:creationId xmlns:a16="http://schemas.microsoft.com/office/drawing/2014/main" id="{D2C7274B-1B13-A1FA-02F4-F878F56D2FC1}"/>
               </a:ext>
             </a:extLst>
           </p:cNvPr>
@@ -1169,7 +1169,7 @@
           <p:cNvPr id="6" name="灯片编号占位符 5">
             <a:extLst>
               <a:ext uri="{FF2B5EF4-FFF2-40B4-BE49-F238E27FC236}">
-                <a16:creationId xmlns:a16="http://schemas.microsoft.com/office/drawing/2014/main" id="{D74BAEE0-CE83-0777-E10E-511181B4526F}"/>
+                <a16:creationId xmlns:a16="http://schemas.microsoft.com/office/drawing/2014/main" id="{2DE990E6-2FC3-BFB8-41BB-C3934C97066F}"/>
               </a:ext>
             </a:extLst>
           </p:cNvPr>
@@ -1185,7 +1185,7 @@
           <a:bodyPr/>
           <a:lstStyle/>
           <a:p>
-            <a:fld id="{C1BA8224-4EB5-4A16-9091-7CC5325C5575}" type="slidenum">
+            <a:fld id="{C585ED29-3DD3-42D5-9262-776C47648A3A}" type="slidenum">
               <a:rPr lang="zh-CN" altLang="en-US" smtClean="0"/>
               <a:t>‹#›</a:t>
             </a:fld>
@@ -1196,7 +1196,7 @@
     </p:spTree>
     <p:extLst>
       <p:ext uri="{BB962C8B-B14F-4D97-AF65-F5344CB8AC3E}">
-        <p14:creationId xmlns:p14="http://schemas.microsoft.com/office/powerpoint/2010/main" val="2807676629"/>
+        <p14:creationId xmlns:p14="http://schemas.microsoft.com/office/powerpoint/2010/main" val="920802197"/>
       </p:ext>
     </p:extLst>
   </p:cSld>
@@ -1228,7 +1228,7 @@
           <p:cNvPr id="2" name="标题 1">
             <a:extLst>
               <a:ext uri="{FF2B5EF4-FFF2-40B4-BE49-F238E27FC236}">
-                <a16:creationId xmlns:a16="http://schemas.microsoft.com/office/drawing/2014/main" id="{998AF79C-033A-3E52-0C1C-E2B6EDEA1642}"/>
+                <a16:creationId xmlns:a16="http://schemas.microsoft.com/office/drawing/2014/main" id="{F5F2552A-B979-A53C-E7C5-CD9A26501136}"/>
               </a:ext>
             </a:extLst>
           </p:cNvPr>
@@ -1256,7 +1256,7 @@
           <p:cNvPr id="3" name="内容占位符 2">
             <a:extLst>
               <a:ext uri="{FF2B5EF4-FFF2-40B4-BE49-F238E27FC236}">
-                <a16:creationId xmlns:a16="http://schemas.microsoft.com/office/drawing/2014/main" id="{A0ACD3DA-FA69-5467-EDEA-E9C3A7768F18}"/>
+                <a16:creationId xmlns:a16="http://schemas.microsoft.com/office/drawing/2014/main" id="{CFFBEFEA-037B-7A62-0704-2FA3541D6DB2}"/>
               </a:ext>
             </a:extLst>
           </p:cNvPr>
@@ -1318,7 +1318,7 @@
           <p:cNvPr id="4" name="内容占位符 3">
             <a:extLst>
               <a:ext uri="{FF2B5EF4-FFF2-40B4-BE49-F238E27FC236}">
-                <a16:creationId xmlns:a16="http://schemas.microsoft.com/office/drawing/2014/main" id="{9AF37D1B-F375-C191-33CE-DCB2E143F0D6}"/>
+                <a16:creationId xmlns:a16="http://schemas.microsoft.com/office/drawing/2014/main" id="{0582E81D-4A6D-07EB-640C-B32010A03674}"/>
               </a:ext>
             </a:extLst>
           </p:cNvPr>
@@ -1380,7 +1380,7 @@
           <p:cNvPr id="5" name="日期占位符 4">
             <a:extLst>
               <a:ext uri="{FF2B5EF4-FFF2-40B4-BE49-F238E27FC236}">
-                <a16:creationId xmlns:a16="http://schemas.microsoft.com/office/drawing/2014/main" id="{819D21AC-860B-B5D8-70ED-03C716241F8D}"/>
+                <a16:creationId xmlns:a16="http://schemas.microsoft.com/office/drawing/2014/main" id="{B6A20E20-FE54-691F-D557-B961A6BD5B07}"/>
               </a:ext>
             </a:extLst>
           </p:cNvPr>
@@ -1396,7 +1396,7 @@
           <a:bodyPr/>
           <a:lstStyle/>
           <a:p>
-            <a:fld id="{82730F57-B86B-4C09-A1E5-CC243BCDB2F8}" type="datetimeFigureOut">
+            <a:fld id="{767C7BBC-2137-40CD-9BF4-AAC129565D93}" type="datetimeFigureOut">
               <a:rPr lang="zh-CN" altLang="en-US" smtClean="0"/>
               <a:t>2024/3/10</a:t>
             </a:fld>
@@ -1409,7 +1409,7 @@
           <p:cNvPr id="6" name="页脚占位符 5">
             <a:extLst>
               <a:ext uri="{FF2B5EF4-FFF2-40B4-BE49-F238E27FC236}">
-                <a16:creationId xmlns:a16="http://schemas.microsoft.com/office/drawing/2014/main" id="{640002BE-AF00-BA82-E564-F0D51B1A14B9}"/>
+                <a16:creationId xmlns:a16="http://schemas.microsoft.com/office/drawing/2014/main" id="{EB8426D0-3DF2-3A57-0C07-F42EF52D23C1}"/>
               </a:ext>
             </a:extLst>
           </p:cNvPr>
@@ -1434,7 +1434,7 @@
           <p:cNvPr id="7" name="灯片编号占位符 6">
             <a:extLst>
               <a:ext uri="{FF2B5EF4-FFF2-40B4-BE49-F238E27FC236}">
-                <a16:creationId xmlns:a16="http://schemas.microsoft.com/office/drawing/2014/main" id="{137F4447-BD0F-BC07-E799-215CA8CCC094}"/>
+                <a16:creationId xmlns:a16="http://schemas.microsoft.com/office/drawing/2014/main" id="{D0E08C7B-3B73-E909-73B0-0943B6F7D762}"/>
               </a:ext>
             </a:extLst>
           </p:cNvPr>
@@ -1450,7 +1450,7 @@
           <a:bodyPr/>
           <a:lstStyle/>
           <a:p>
-            <a:fld id="{C1BA8224-4EB5-4A16-9091-7CC5325C5575}" type="slidenum">
+            <a:fld id="{C585ED29-3DD3-42D5-9262-776C47648A3A}" type="slidenum">
               <a:rPr lang="zh-CN" altLang="en-US" smtClean="0"/>
               <a:t>‹#›</a:t>
             </a:fld>
@@ -1461,7 +1461,7 @@
     </p:spTree>
     <p:extLst>
       <p:ext uri="{BB962C8B-B14F-4D97-AF65-F5344CB8AC3E}">
-        <p14:creationId xmlns:p14="http://schemas.microsoft.com/office/powerpoint/2010/main" val="3631185936"/>
+        <p14:creationId xmlns:p14="http://schemas.microsoft.com/office/powerpoint/2010/main" val="1080982332"/>
       </p:ext>
     </p:extLst>
   </p:cSld>
@@ -1493,7 +1493,7 @@
           <p:cNvPr id="2" name="标题 1">
             <a:extLst>
               <a:ext uri="{FF2B5EF4-FFF2-40B4-BE49-F238E27FC236}">
-                <a16:creationId xmlns:a16="http://schemas.microsoft.com/office/drawing/2014/main" id="{877ECC94-69F5-ED81-EAE8-D498661D8C24}"/>
+                <a16:creationId xmlns:a16="http://schemas.microsoft.com/office/drawing/2014/main" id="{9DC09FE0-6FDD-2825-E9BD-47C779347E88}"/>
               </a:ext>
             </a:extLst>
           </p:cNvPr>
@@ -1526,7 +1526,7 @@
           <p:cNvPr id="3" name="文本占位符 2">
             <a:extLst>
               <a:ext uri="{FF2B5EF4-FFF2-40B4-BE49-F238E27FC236}">
-                <a16:creationId xmlns:a16="http://schemas.microsoft.com/office/drawing/2014/main" id="{079D8EB4-F6B0-B8E3-43F5-359DA74B6C7F}"/>
+                <a16:creationId xmlns:a16="http://schemas.microsoft.com/office/drawing/2014/main" id="{87A8310E-1CC9-99DA-3D78-49DE273F13A1}"/>
               </a:ext>
             </a:extLst>
           </p:cNvPr>
@@ -1597,7 +1597,7 @@
           <p:cNvPr id="4" name="内容占位符 3">
             <a:extLst>
               <a:ext uri="{FF2B5EF4-FFF2-40B4-BE49-F238E27FC236}">
-                <a16:creationId xmlns:a16="http://schemas.microsoft.com/office/drawing/2014/main" id="{29983FC0-1BD6-1F42-688C-C864B1671504}"/>
+                <a16:creationId xmlns:a16="http://schemas.microsoft.com/office/drawing/2014/main" id="{D084F612-EC58-CF67-1147-0CB0F0939D5D}"/>
               </a:ext>
             </a:extLst>
           </p:cNvPr>
@@ -1659,7 +1659,7 @@
           <p:cNvPr id="5" name="文本占位符 4">
             <a:extLst>
               <a:ext uri="{FF2B5EF4-FFF2-40B4-BE49-F238E27FC236}">
-                <a16:creationId xmlns:a16="http://schemas.microsoft.com/office/drawing/2014/main" id="{B681B933-7339-41C9-6951-C7D5D832105F}"/>
+                <a16:creationId xmlns:a16="http://schemas.microsoft.com/office/drawing/2014/main" id="{50AA3459-D0E6-DE4A-EC77-C7ADB10A85F3}"/>
               </a:ext>
             </a:extLst>
           </p:cNvPr>
@@ -1730,7 +1730,7 @@
           <p:cNvPr id="6" name="内容占位符 5">
             <a:extLst>
               <a:ext uri="{FF2B5EF4-FFF2-40B4-BE49-F238E27FC236}">
-                <a16:creationId xmlns:a16="http://schemas.microsoft.com/office/drawing/2014/main" id="{ED73EB38-0471-0CA0-5902-FE2A79995B49}"/>
+                <a16:creationId xmlns:a16="http://schemas.microsoft.com/office/drawing/2014/main" id="{86A3E214-8D00-8D6A-8AEB-6157457DA21C}"/>
               </a:ext>
             </a:extLst>
           </p:cNvPr>
@@ -1792,7 +1792,7 @@
           <p:cNvPr id="7" name="日期占位符 6">
             <a:extLst>
               <a:ext uri="{FF2B5EF4-FFF2-40B4-BE49-F238E27FC236}">
-                <a16:creationId xmlns:a16="http://schemas.microsoft.com/office/drawing/2014/main" id="{EA85712E-B86B-316B-6482-541E8BB1AE07}"/>
+                <a16:creationId xmlns:a16="http://schemas.microsoft.com/office/drawing/2014/main" id="{49E0E2CD-C9B6-084E-BE37-CF13D7D7CA53}"/>
               </a:ext>
             </a:extLst>
           </p:cNvPr>
@@ -1808,7 +1808,7 @@
           <a:bodyPr/>
           <a:lstStyle/>
           <a:p>
-            <a:fld id="{82730F57-B86B-4C09-A1E5-CC243BCDB2F8}" type="datetimeFigureOut">
+            <a:fld id="{767C7BBC-2137-40CD-9BF4-AAC129565D93}" type="datetimeFigureOut">
               <a:rPr lang="zh-CN" altLang="en-US" smtClean="0"/>
               <a:t>2024/3/10</a:t>
             </a:fld>
@@ -1821,7 +1821,7 @@
           <p:cNvPr id="8" name="页脚占位符 7">
             <a:extLst>
               <a:ext uri="{FF2B5EF4-FFF2-40B4-BE49-F238E27FC236}">
-                <a16:creationId xmlns:a16="http://schemas.microsoft.com/office/drawing/2014/main" id="{6EA9D11F-EE69-5616-D152-242C7D7167A5}"/>
+                <a16:creationId xmlns:a16="http://schemas.microsoft.com/office/drawing/2014/main" id="{B370B24F-879C-87D2-84B0-8345DC8587D3}"/>
               </a:ext>
             </a:extLst>
           </p:cNvPr>
@@ -1846,7 +1846,7 @@
           <p:cNvPr id="9" name="灯片编号占位符 8">
             <a:extLst>
               <a:ext uri="{FF2B5EF4-FFF2-40B4-BE49-F238E27FC236}">
-                <a16:creationId xmlns:a16="http://schemas.microsoft.com/office/drawing/2014/main" id="{5C108C3B-2E81-CFF7-2B14-B7D84A4D59A0}"/>
+                <a16:creationId xmlns:a16="http://schemas.microsoft.com/office/drawing/2014/main" id="{DAB7B4F7-A2EF-BE65-7D6D-855E10B6A3CC}"/>
               </a:ext>
             </a:extLst>
           </p:cNvPr>
@@ -1862,7 +1862,7 @@
           <a:bodyPr/>
           <a:lstStyle/>
           <a:p>
-            <a:fld id="{C1BA8224-4EB5-4A16-9091-7CC5325C5575}" type="slidenum">
+            <a:fld id="{C585ED29-3DD3-42D5-9262-776C47648A3A}" type="slidenum">
               <a:rPr lang="zh-CN" altLang="en-US" smtClean="0"/>
               <a:t>‹#›</a:t>
             </a:fld>
@@ -1873,7 +1873,7 @@
     </p:spTree>
     <p:extLst>
       <p:ext uri="{BB962C8B-B14F-4D97-AF65-F5344CB8AC3E}">
-        <p14:creationId xmlns:p14="http://schemas.microsoft.com/office/powerpoint/2010/main" val="2002713679"/>
+        <p14:creationId xmlns:p14="http://schemas.microsoft.com/office/powerpoint/2010/main" val="4178627476"/>
       </p:ext>
     </p:extLst>
   </p:cSld>
@@ -1905,7 +1905,7 @@
           <p:cNvPr id="2" name="标题 1">
             <a:extLst>
               <a:ext uri="{FF2B5EF4-FFF2-40B4-BE49-F238E27FC236}">
-                <a16:creationId xmlns:a16="http://schemas.microsoft.com/office/drawing/2014/main" id="{C60A018B-4E4E-3761-3B5E-827031CEA96E}"/>
+                <a16:creationId xmlns:a16="http://schemas.microsoft.com/office/drawing/2014/main" id="{7BBCD47B-ABF2-1990-E53A-9DBD8AACC539}"/>
               </a:ext>
             </a:extLst>
           </p:cNvPr>
@@ -1933,7 +1933,7 @@
           <p:cNvPr id="3" name="日期占位符 2">
             <a:extLst>
               <a:ext uri="{FF2B5EF4-FFF2-40B4-BE49-F238E27FC236}">
-                <a16:creationId xmlns:a16="http://schemas.microsoft.com/office/drawing/2014/main" id="{FADC67DF-C05E-E7D1-D2A3-56674BAB8C7B}"/>
+                <a16:creationId xmlns:a16="http://schemas.microsoft.com/office/drawing/2014/main" id="{903916FB-4C6F-C613-B471-C2C62983B7F4}"/>
               </a:ext>
             </a:extLst>
           </p:cNvPr>
@@ -1949,7 +1949,7 @@
           <a:bodyPr/>
           <a:lstStyle/>
           <a:p>
-            <a:fld id="{82730F57-B86B-4C09-A1E5-CC243BCDB2F8}" type="datetimeFigureOut">
+            <a:fld id="{767C7BBC-2137-40CD-9BF4-AAC129565D93}" type="datetimeFigureOut">
               <a:rPr lang="zh-CN" altLang="en-US" smtClean="0"/>
               <a:t>2024/3/10</a:t>
             </a:fld>
@@ -1962,7 +1962,7 @@
           <p:cNvPr id="4" name="页脚占位符 3">
             <a:extLst>
               <a:ext uri="{FF2B5EF4-FFF2-40B4-BE49-F238E27FC236}">
-                <a16:creationId xmlns:a16="http://schemas.microsoft.com/office/drawing/2014/main" id="{3F8FB541-069B-0E99-81F1-C24EC1F33E6B}"/>
+                <a16:creationId xmlns:a16="http://schemas.microsoft.com/office/drawing/2014/main" id="{E9320826-3B54-9225-F9EF-C93E29890646}"/>
               </a:ext>
             </a:extLst>
           </p:cNvPr>
@@ -1987,7 +1987,7 @@
           <p:cNvPr id="5" name="灯片编号占位符 4">
             <a:extLst>
               <a:ext uri="{FF2B5EF4-FFF2-40B4-BE49-F238E27FC236}">
-                <a16:creationId xmlns:a16="http://schemas.microsoft.com/office/drawing/2014/main" id="{0A857B7D-114A-74AA-A2CB-BADEB4BB9DB9}"/>
+                <a16:creationId xmlns:a16="http://schemas.microsoft.com/office/drawing/2014/main" id="{86F4C907-8E3F-2577-9138-4EE33F99C512}"/>
               </a:ext>
             </a:extLst>
           </p:cNvPr>
@@ -2003,7 +2003,7 @@
           <a:bodyPr/>
           <a:lstStyle/>
           <a:p>
-            <a:fld id="{C1BA8224-4EB5-4A16-9091-7CC5325C5575}" type="slidenum">
+            <a:fld id="{C585ED29-3DD3-42D5-9262-776C47648A3A}" type="slidenum">
               <a:rPr lang="zh-CN" altLang="en-US" smtClean="0"/>
               <a:t>‹#›</a:t>
             </a:fld>
@@ -2014,7 +2014,7 @@
     </p:spTree>
     <p:extLst>
       <p:ext uri="{BB962C8B-B14F-4D97-AF65-F5344CB8AC3E}">
-        <p14:creationId xmlns:p14="http://schemas.microsoft.com/office/powerpoint/2010/main" val="3814581345"/>
+        <p14:creationId xmlns:p14="http://schemas.microsoft.com/office/powerpoint/2010/main" val="3391362176"/>
       </p:ext>
     </p:extLst>
   </p:cSld>
@@ -2046,7 +2046,7 @@
           <p:cNvPr id="2" name="日期占位符 1">
             <a:extLst>
               <a:ext uri="{FF2B5EF4-FFF2-40B4-BE49-F238E27FC236}">
-                <a16:creationId xmlns:a16="http://schemas.microsoft.com/office/drawing/2014/main" id="{1CC6E2D4-FA02-DA99-35F3-C22228E5358F}"/>
+                <a16:creationId xmlns:a16="http://schemas.microsoft.com/office/drawing/2014/main" id="{2627E390-13A3-1E40-121E-F4E29BE769F7}"/>
               </a:ext>
             </a:extLst>
           </p:cNvPr>
@@ -2062,7 +2062,7 @@
           <a:bodyPr/>
           <a:lstStyle/>
           <a:p>
-            <a:fld id="{82730F57-B86B-4C09-A1E5-CC243BCDB2F8}" type="datetimeFigureOut">
+            <a:fld id="{767C7BBC-2137-40CD-9BF4-AAC129565D93}" type="datetimeFigureOut">
               <a:rPr lang="zh-CN" altLang="en-US" smtClean="0"/>
               <a:t>2024/3/10</a:t>
             </a:fld>
@@ -2075,7 +2075,7 @@
           <p:cNvPr id="3" name="页脚占位符 2">
             <a:extLst>
               <a:ext uri="{FF2B5EF4-FFF2-40B4-BE49-F238E27FC236}">
-                <a16:creationId xmlns:a16="http://schemas.microsoft.com/office/drawing/2014/main" id="{DD0D2C44-7C01-3FBE-47E4-7D04A0BC9289}"/>
+                <a16:creationId xmlns:a16="http://schemas.microsoft.com/office/drawing/2014/main" id="{E9EF3C36-3CE4-9D9A-E99C-FD65D90A6D39}"/>
               </a:ext>
             </a:extLst>
           </p:cNvPr>
@@ -2100,7 +2100,7 @@
           <p:cNvPr id="4" name="灯片编号占位符 3">
             <a:extLst>
               <a:ext uri="{FF2B5EF4-FFF2-40B4-BE49-F238E27FC236}">
-                <a16:creationId xmlns:a16="http://schemas.microsoft.com/office/drawing/2014/main" id="{57CF84C6-F9E0-D360-751B-6C0D6CCB1CFD}"/>
+                <a16:creationId xmlns:a16="http://schemas.microsoft.com/office/drawing/2014/main" id="{3EDDF649-ECFE-A367-375B-28CC6B30B278}"/>
               </a:ext>
             </a:extLst>
           </p:cNvPr>
@@ -2116,7 +2116,7 @@
           <a:bodyPr/>
           <a:lstStyle/>
           <a:p>
-            <a:fld id="{C1BA8224-4EB5-4A16-9091-7CC5325C5575}" type="slidenum">
+            <a:fld id="{C585ED29-3DD3-42D5-9262-776C47648A3A}" type="slidenum">
               <a:rPr lang="zh-CN" altLang="en-US" smtClean="0"/>
               <a:t>‹#›</a:t>
             </a:fld>
@@ -2127,7 +2127,7 @@
     </p:spTree>
     <p:extLst>
       <p:ext uri="{BB962C8B-B14F-4D97-AF65-F5344CB8AC3E}">
-        <p14:creationId xmlns:p14="http://schemas.microsoft.com/office/powerpoint/2010/main" val="2427712871"/>
+        <p14:creationId xmlns:p14="http://schemas.microsoft.com/office/powerpoint/2010/main" val="3070209745"/>
       </p:ext>
     </p:extLst>
   </p:cSld>
@@ -2159,7 +2159,7 @@
           <p:cNvPr id="2" name="标题 1">
             <a:extLst>
               <a:ext uri="{FF2B5EF4-FFF2-40B4-BE49-F238E27FC236}">
-                <a16:creationId xmlns:a16="http://schemas.microsoft.com/office/drawing/2014/main" id="{8D38A2CA-55D3-6DAA-35C1-05965FA00138}"/>
+                <a16:creationId xmlns:a16="http://schemas.microsoft.com/office/drawing/2014/main" id="{F0198A10-F264-60FA-3A4C-4D58137296A6}"/>
               </a:ext>
             </a:extLst>
           </p:cNvPr>
@@ -2196,7 +2196,7 @@
           <p:cNvPr id="3" name="内容占位符 2">
             <a:extLst>
               <a:ext uri="{FF2B5EF4-FFF2-40B4-BE49-F238E27FC236}">
-                <a16:creationId xmlns:a16="http://schemas.microsoft.com/office/drawing/2014/main" id="{2C7F746D-6AA8-50E0-D4BC-BB8CE6FBEF29}"/>
+                <a16:creationId xmlns:a16="http://schemas.microsoft.com/office/drawing/2014/main" id="{9774FE1D-F11A-5B50-C268-6DE0C5DE84A1}"/>
               </a:ext>
             </a:extLst>
           </p:cNvPr>
@@ -2286,7 +2286,7 @@
           <p:cNvPr id="4" name="文本占位符 3">
             <a:extLst>
               <a:ext uri="{FF2B5EF4-FFF2-40B4-BE49-F238E27FC236}">
-                <a16:creationId xmlns:a16="http://schemas.microsoft.com/office/drawing/2014/main" id="{CEEFFBEE-3100-C000-8283-A19B252871A0}"/>
+                <a16:creationId xmlns:a16="http://schemas.microsoft.com/office/drawing/2014/main" id="{7C4EEA19-8F55-7E4D-3E8F-43E2C7F6E5F0}"/>
               </a:ext>
             </a:extLst>
           </p:cNvPr>
@@ -2357,7 +2357,7 @@
           <p:cNvPr id="5" name="日期占位符 4">
             <a:extLst>
               <a:ext uri="{FF2B5EF4-FFF2-40B4-BE49-F238E27FC236}">
-                <a16:creationId xmlns:a16="http://schemas.microsoft.com/office/drawing/2014/main" id="{D0900B68-E389-BFC8-7A0C-7E90629969B5}"/>
+                <a16:creationId xmlns:a16="http://schemas.microsoft.com/office/drawing/2014/main" id="{6703FCBB-A557-ECCF-54C4-247CBE027AC6}"/>
               </a:ext>
             </a:extLst>
           </p:cNvPr>
@@ -2373,7 +2373,7 @@
           <a:bodyPr/>
           <a:lstStyle/>
           <a:p>
-            <a:fld id="{82730F57-B86B-4C09-A1E5-CC243BCDB2F8}" type="datetimeFigureOut">
+            <a:fld id="{767C7BBC-2137-40CD-9BF4-AAC129565D93}" type="datetimeFigureOut">
               <a:rPr lang="zh-CN" altLang="en-US" smtClean="0"/>
               <a:t>2024/3/10</a:t>
             </a:fld>
@@ -2386,7 +2386,7 @@
           <p:cNvPr id="6" name="页脚占位符 5">
             <a:extLst>
               <a:ext uri="{FF2B5EF4-FFF2-40B4-BE49-F238E27FC236}">
-                <a16:creationId xmlns:a16="http://schemas.microsoft.com/office/drawing/2014/main" id="{50A5EE02-89CE-235B-FBA8-E3160C585E16}"/>
+                <a16:creationId xmlns:a16="http://schemas.microsoft.com/office/drawing/2014/main" id="{910C9F94-FEBE-B720-9E24-851C08A5C75F}"/>
               </a:ext>
             </a:extLst>
           </p:cNvPr>
@@ -2411,7 +2411,7 @@
           <p:cNvPr id="7" name="灯片编号占位符 6">
             <a:extLst>
               <a:ext uri="{FF2B5EF4-FFF2-40B4-BE49-F238E27FC236}">
-                <a16:creationId xmlns:a16="http://schemas.microsoft.com/office/drawing/2014/main" id="{0A79EC68-479F-C406-8C16-CA42A72CD4F8}"/>
+                <a16:creationId xmlns:a16="http://schemas.microsoft.com/office/drawing/2014/main" id="{687FF600-501D-DFF6-B3C0-7986646C828D}"/>
               </a:ext>
             </a:extLst>
           </p:cNvPr>
@@ -2427,7 +2427,7 @@
           <a:bodyPr/>
           <a:lstStyle/>
           <a:p>
-            <a:fld id="{C1BA8224-4EB5-4A16-9091-7CC5325C5575}" type="slidenum">
+            <a:fld id="{C585ED29-3DD3-42D5-9262-776C47648A3A}" type="slidenum">
               <a:rPr lang="zh-CN" altLang="en-US" smtClean="0"/>
               <a:t>‹#›</a:t>
             </a:fld>
@@ -2438,7 +2438,7 @@
     </p:spTree>
     <p:extLst>
       <p:ext uri="{BB962C8B-B14F-4D97-AF65-F5344CB8AC3E}">
-        <p14:creationId xmlns:p14="http://schemas.microsoft.com/office/powerpoint/2010/main" val="2203946231"/>
+        <p14:creationId xmlns:p14="http://schemas.microsoft.com/office/powerpoint/2010/main" val="980338810"/>
       </p:ext>
     </p:extLst>
   </p:cSld>
@@ -2470,7 +2470,7 @@
           <p:cNvPr id="2" name="标题 1">
             <a:extLst>
               <a:ext uri="{FF2B5EF4-FFF2-40B4-BE49-F238E27FC236}">
-                <a16:creationId xmlns:a16="http://schemas.microsoft.com/office/drawing/2014/main" id="{EE9E2AFF-AEC8-3A15-AFDB-C4663B1F5B6E}"/>
+                <a16:creationId xmlns:a16="http://schemas.microsoft.com/office/drawing/2014/main" id="{FDAFEEE0-7823-9E6B-7AC0-9BE223CBD741}"/>
               </a:ext>
             </a:extLst>
           </p:cNvPr>
@@ -2507,7 +2507,7 @@
           <p:cNvPr id="3" name="图片占位符 2">
             <a:extLst>
               <a:ext uri="{FF2B5EF4-FFF2-40B4-BE49-F238E27FC236}">
-                <a16:creationId xmlns:a16="http://schemas.microsoft.com/office/drawing/2014/main" id="{E1DC8034-8DA6-F703-6E85-91F02396D6F0}"/>
+                <a16:creationId xmlns:a16="http://schemas.microsoft.com/office/drawing/2014/main" id="{0DD1B278-1FD7-D1F4-C570-C6871C4ABE9F}"/>
               </a:ext>
             </a:extLst>
           </p:cNvPr>
@@ -2574,7 +2574,7 @@
           <p:cNvPr id="4" name="文本占位符 3">
             <a:extLst>
               <a:ext uri="{FF2B5EF4-FFF2-40B4-BE49-F238E27FC236}">
-                <a16:creationId xmlns:a16="http://schemas.microsoft.com/office/drawing/2014/main" id="{D6C7FDC0-2D29-FB21-6DDB-61152D938F1A}"/>
+                <a16:creationId xmlns:a16="http://schemas.microsoft.com/office/drawing/2014/main" id="{A6D0FBA8-0453-AE2A-95C3-58023D77C20F}"/>
               </a:ext>
             </a:extLst>
           </p:cNvPr>
@@ -2645,7 +2645,7 @@
           <p:cNvPr id="5" name="日期占位符 4">
             <a:extLst>
               <a:ext uri="{FF2B5EF4-FFF2-40B4-BE49-F238E27FC236}">
-                <a16:creationId xmlns:a16="http://schemas.microsoft.com/office/drawing/2014/main" id="{94651E29-720A-3787-7A01-394D26ED7DC3}"/>
+                <a16:creationId xmlns:a16="http://schemas.microsoft.com/office/drawing/2014/main" id="{7CD64676-66BD-8517-3D47-E13382F1EA91}"/>
               </a:ext>
             </a:extLst>
           </p:cNvPr>
@@ -2661,7 +2661,7 @@
           <a:bodyPr/>
           <a:lstStyle/>
           <a:p>
-            <a:fld id="{82730F57-B86B-4C09-A1E5-CC243BCDB2F8}" type="datetimeFigureOut">
+            <a:fld id="{767C7BBC-2137-40CD-9BF4-AAC129565D93}" type="datetimeFigureOut">
               <a:rPr lang="zh-CN" altLang="en-US" smtClean="0"/>
               <a:t>2024/3/10</a:t>
             </a:fld>
@@ -2674,7 +2674,7 @@
           <p:cNvPr id="6" name="页脚占位符 5">
             <a:extLst>
               <a:ext uri="{FF2B5EF4-FFF2-40B4-BE49-F238E27FC236}">
-                <a16:creationId xmlns:a16="http://schemas.microsoft.com/office/drawing/2014/main" id="{17078F0A-2F8C-E1DE-9D24-5AEED8F80B39}"/>
+                <a16:creationId xmlns:a16="http://schemas.microsoft.com/office/drawing/2014/main" id="{AE76731A-5914-35A3-1015-AE4A0293CEC0}"/>
               </a:ext>
             </a:extLst>
           </p:cNvPr>
@@ -2699,7 +2699,7 @@
           <p:cNvPr id="7" name="灯片编号占位符 6">
             <a:extLst>
               <a:ext uri="{FF2B5EF4-FFF2-40B4-BE49-F238E27FC236}">
-                <a16:creationId xmlns:a16="http://schemas.microsoft.com/office/drawing/2014/main" id="{0EFB8621-9F66-75E6-3C66-15780FF43D0D}"/>
+                <a16:creationId xmlns:a16="http://schemas.microsoft.com/office/drawing/2014/main" id="{CC9D4FF9-0FB9-3875-32AA-46AF85FA9028}"/>
               </a:ext>
             </a:extLst>
           </p:cNvPr>
@@ -2715,7 +2715,7 @@
           <a:bodyPr/>
           <a:lstStyle/>
           <a:p>
-            <a:fld id="{C1BA8224-4EB5-4A16-9091-7CC5325C5575}" type="slidenum">
+            <a:fld id="{C585ED29-3DD3-42D5-9262-776C47648A3A}" type="slidenum">
               <a:rPr lang="zh-CN" altLang="en-US" smtClean="0"/>
               <a:t>‹#›</a:t>
             </a:fld>
@@ -2726,7 +2726,7 @@
     </p:spTree>
     <p:extLst>
       <p:ext uri="{BB962C8B-B14F-4D97-AF65-F5344CB8AC3E}">
-        <p14:creationId xmlns:p14="http://schemas.microsoft.com/office/powerpoint/2010/main" val="2537836690"/>
+        <p14:creationId xmlns:p14="http://schemas.microsoft.com/office/powerpoint/2010/main" val="2526066890"/>
       </p:ext>
     </p:extLst>
   </p:cSld>
@@ -2763,7 +2763,7 @@
           <p:cNvPr id="2" name="标题占位符 1">
             <a:extLst>
               <a:ext uri="{FF2B5EF4-FFF2-40B4-BE49-F238E27FC236}">
-                <a16:creationId xmlns:a16="http://schemas.microsoft.com/office/drawing/2014/main" id="{18BA1252-3B90-7B17-B0C0-9A06950F52AA}"/>
+                <a16:creationId xmlns:a16="http://schemas.microsoft.com/office/drawing/2014/main" id="{E244C335-D66B-E001-DDA4-102C3F1F86E0}"/>
               </a:ext>
             </a:extLst>
           </p:cNvPr>
@@ -2801,7 +2801,7 @@
           <p:cNvPr id="3" name="文本占位符 2">
             <a:extLst>
               <a:ext uri="{FF2B5EF4-FFF2-40B4-BE49-F238E27FC236}">
-                <a16:creationId xmlns:a16="http://schemas.microsoft.com/office/drawing/2014/main" id="{62E78D31-BE2B-EB68-E56F-2F809C993C00}"/>
+                <a16:creationId xmlns:a16="http://schemas.microsoft.com/office/drawing/2014/main" id="{AF100957-277F-AE0F-A6E5-6E03B75A4A82}"/>
               </a:ext>
             </a:extLst>
           </p:cNvPr>
@@ -2868,7 +2868,7 @@
           <p:cNvPr id="4" name="日期占位符 3">
             <a:extLst>
               <a:ext uri="{FF2B5EF4-FFF2-40B4-BE49-F238E27FC236}">
-                <a16:creationId xmlns:a16="http://schemas.microsoft.com/office/drawing/2014/main" id="{2A911D34-530D-12F2-F742-B9BF789467FB}"/>
+                <a16:creationId xmlns:a16="http://schemas.microsoft.com/office/drawing/2014/main" id="{69F46E72-BAF5-0476-946B-81AEA1814B3E}"/>
               </a:ext>
             </a:extLst>
           </p:cNvPr>
@@ -2902,7 +2902,7 @@
             </a:lvl1pPr>
           </a:lstStyle>
           <a:p>
-            <a:fld id="{82730F57-B86B-4C09-A1E5-CC243BCDB2F8}" type="datetimeFigureOut">
+            <a:fld id="{767C7BBC-2137-40CD-9BF4-AAC129565D93}" type="datetimeFigureOut">
               <a:rPr lang="zh-CN" altLang="en-US" smtClean="0"/>
               <a:t>2024/3/10</a:t>
             </a:fld>
@@ -2915,7 +2915,7 @@
           <p:cNvPr id="5" name="页脚占位符 4">
             <a:extLst>
               <a:ext uri="{FF2B5EF4-FFF2-40B4-BE49-F238E27FC236}">
-                <a16:creationId xmlns:a16="http://schemas.microsoft.com/office/drawing/2014/main" id="{90FD84CD-1657-A36C-1EFB-B80A0FF654FB}"/>
+                <a16:creationId xmlns:a16="http://schemas.microsoft.com/office/drawing/2014/main" id="{CD125ADA-4DB5-F417-30DB-E4B7981F6C74}"/>
               </a:ext>
             </a:extLst>
           </p:cNvPr>
@@ -2958,7 +2958,7 @@
           <p:cNvPr id="6" name="灯片编号占位符 5">
             <a:extLst>
               <a:ext uri="{FF2B5EF4-FFF2-40B4-BE49-F238E27FC236}">
-                <a16:creationId xmlns:a16="http://schemas.microsoft.com/office/drawing/2014/main" id="{D5B02CEF-A212-70FF-E98B-152A75BE59F7}"/>
+                <a16:creationId xmlns:a16="http://schemas.microsoft.com/office/drawing/2014/main" id="{921112B2-9E9D-A96E-3286-646C125784AE}"/>
               </a:ext>
             </a:extLst>
           </p:cNvPr>
@@ -2992,7 +2992,7 @@
             </a:lvl1pPr>
           </a:lstStyle>
           <a:p>
-            <a:fld id="{C1BA8224-4EB5-4A16-9091-7CC5325C5575}" type="slidenum">
+            <a:fld id="{C585ED29-3DD3-42D5-9262-776C47648A3A}" type="slidenum">
               <a:rPr lang="zh-CN" altLang="en-US" smtClean="0"/>
               <a:t>‹#›</a:t>
             </a:fld>
@@ -3003,7 +3003,7 @@
     </p:spTree>
     <p:extLst>
       <p:ext uri="{BB962C8B-B14F-4D97-AF65-F5344CB8AC3E}">
-        <p14:creationId xmlns:p14="http://schemas.microsoft.com/office/powerpoint/2010/main" val="1598952737"/>
+        <p14:creationId xmlns:p14="http://schemas.microsoft.com/office/powerpoint/2010/main" val="2706886040"/>
       </p:ext>
     </p:extLst>
   </p:cSld>
@@ -3323,7 +3323,7 @@
       </p:grpSpPr>
       <p:pic>
         <p:nvPicPr>
-          <p:cNvPr id="150530" name="Picture 2" descr="146"/>
+          <p:cNvPr id="151554" name="Picture 2" descr="147"/>
           <p:cNvPicPr>
             <a:picLocks noChangeAspect="1" noChangeArrowheads="1"/>
           </p:cNvPicPr>
@@ -3344,8 +3344,8 @@
         </p:blipFill>
         <p:spPr bwMode="auto">
           <a:xfrm>
-            <a:off x="1524000" y="0"/>
-            <a:ext cx="9144000" cy="6859588"/>
+            <a:off x="1524000" y="1"/>
+            <a:ext cx="9144000" cy="5013325"/>
           </a:xfrm>
           <a:prstGeom prst="rect">
             <a:avLst/>
